--- a/Advanced_Course/PPT/2-1. [Done][Advanced] Bluetooth.pptx
+++ b/Advanced_Course/PPT/2-1. [Done][Advanced] Bluetooth.pptx
@@ -28,8 +28,8 @@
   <p:notesSz cx="6858000" cy="9144000"/>
   <p:embeddedFontLst>
     <p:embeddedFont>
-      <p:font typeface="LG스마트체2.0 SemiBold" panose="020B0600000101010101" pitchFamily="50" charset="-127"/>
-      <p:bold r:id="rId18"/>
+      <p:font typeface="LG스마트체2.0 Regular" panose="020B0600000101010101" pitchFamily="50" charset="-127"/>
+      <p:regular r:id="rId18"/>
     </p:embeddedFont>
     <p:embeddedFont>
       <p:font typeface="맑은 고딕" panose="020B0503020000020004" pitchFamily="50" charset="-127"/>
@@ -37,11 +37,11 @@
       <p:bold r:id="rId20"/>
     </p:embeddedFont>
     <p:embeddedFont>
-      <p:font typeface="LG스마트체 Regular" panose="020B0600000101010101" pitchFamily="50" charset="-127"/>
-      <p:regular r:id="rId21"/>
+      <p:font typeface="LG스마트체2.0 SemiBold" panose="020B0600000101010101" pitchFamily="50" charset="-127"/>
+      <p:bold r:id="rId21"/>
     </p:embeddedFont>
     <p:embeddedFont>
-      <p:font typeface="LG스마트체2.0 Regular" panose="020B0600000101010101" pitchFamily="50" charset="-127"/>
+      <p:font typeface="LG스마트체 Regular" panose="020B0600000101010101" pitchFamily="50" charset="-127"/>
       <p:regular r:id="rId22"/>
     </p:embeddedFont>
     <p:embeddedFont>
@@ -295,7 +295,7 @@
           <a:p>
             <a:fld id="{5AA69328-47E5-4670-AC66-C1B7A8B2B5A4}" type="datetimeFigureOut">
               <a:rPr lang="ko-KR" altLang="en-US" smtClean="0"/>
-              <a:t>2024-06-20</a:t>
+              <a:t>2024-06-21</a:t>
             </a:fld>
             <a:endParaRPr lang="ko-KR" altLang="en-US"/>
           </a:p>
@@ -1921,7 +1921,7 @@
             <a:fld id="{1D8BD707-D9CF-40AE-B4C6-C98DA3205C09}" type="datetimeFigureOut">
               <a:rPr lang="en-US" smtClean="0"/>
               <a:pPr/>
-              <a:t>6/20/2024</a:t>
+              <a:t>6/21/2024</a:t>
             </a:fld>
             <a:endParaRPr lang="en-US"/>
           </a:p>
@@ -2088,7 +2088,7 @@
             <a:fld id="{1D8BD707-D9CF-40AE-B4C6-C98DA3205C09}" type="datetimeFigureOut">
               <a:rPr lang="en-US" smtClean="0"/>
               <a:pPr/>
-              <a:t>6/20/2024</a:t>
+              <a:t>6/21/2024</a:t>
             </a:fld>
             <a:endParaRPr lang="en-US"/>
           </a:p>
@@ -2265,7 +2265,7 @@
             <a:fld id="{1D8BD707-D9CF-40AE-B4C6-C98DA3205C09}" type="datetimeFigureOut">
               <a:rPr lang="en-US" smtClean="0"/>
               <a:pPr/>
-              <a:t>6/20/2024</a:t>
+              <a:t>6/21/2024</a:t>
             </a:fld>
             <a:endParaRPr lang="en-US"/>
           </a:p>
@@ -2432,7 +2432,7 @@
             <a:fld id="{1D8BD707-D9CF-40AE-B4C6-C98DA3205C09}" type="datetimeFigureOut">
               <a:rPr lang="en-US" smtClean="0"/>
               <a:pPr/>
-              <a:t>6/20/2024</a:t>
+              <a:t>6/21/2024</a:t>
             </a:fld>
             <a:endParaRPr lang="en-US"/>
           </a:p>
@@ -2675,7 +2675,7 @@
             <a:fld id="{1D8BD707-D9CF-40AE-B4C6-C98DA3205C09}" type="datetimeFigureOut">
               <a:rPr lang="en-US" smtClean="0"/>
               <a:pPr/>
-              <a:t>6/20/2024</a:t>
+              <a:t>6/21/2024</a:t>
             </a:fld>
             <a:endParaRPr lang="en-US"/>
           </a:p>
@@ -2960,7 +2960,7 @@
             <a:fld id="{1D8BD707-D9CF-40AE-B4C6-C98DA3205C09}" type="datetimeFigureOut">
               <a:rPr lang="en-US" smtClean="0"/>
               <a:pPr/>
-              <a:t>6/20/2024</a:t>
+              <a:t>6/21/2024</a:t>
             </a:fld>
             <a:endParaRPr lang="en-US"/>
           </a:p>
@@ -3379,7 +3379,7 @@
             <a:fld id="{1D8BD707-D9CF-40AE-B4C6-C98DA3205C09}" type="datetimeFigureOut">
               <a:rPr lang="en-US" smtClean="0"/>
               <a:pPr/>
-              <a:t>6/20/2024</a:t>
+              <a:t>6/21/2024</a:t>
             </a:fld>
             <a:endParaRPr lang="en-US"/>
           </a:p>
@@ -3494,7 +3494,7 @@
             <a:fld id="{1D8BD707-D9CF-40AE-B4C6-C98DA3205C09}" type="datetimeFigureOut">
               <a:rPr lang="en-US" smtClean="0"/>
               <a:pPr/>
-              <a:t>6/20/2024</a:t>
+              <a:t>6/21/2024</a:t>
             </a:fld>
             <a:endParaRPr lang="en-US"/>
           </a:p>
@@ -3586,7 +3586,7 @@
             <a:fld id="{1D8BD707-D9CF-40AE-B4C6-C98DA3205C09}" type="datetimeFigureOut">
               <a:rPr lang="en-US" smtClean="0"/>
               <a:pPr/>
-              <a:t>6/20/2024</a:t>
+              <a:t>6/21/2024</a:t>
             </a:fld>
             <a:endParaRPr lang="en-US"/>
           </a:p>
@@ -3860,7 +3860,7 @@
             <a:fld id="{1D8BD707-D9CF-40AE-B4C6-C98DA3205C09}" type="datetimeFigureOut">
               <a:rPr lang="en-US" smtClean="0"/>
               <a:pPr/>
-              <a:t>6/20/2024</a:t>
+              <a:t>6/21/2024</a:t>
             </a:fld>
             <a:endParaRPr lang="en-US"/>
           </a:p>
@@ -4110,7 +4110,7 @@
             <a:fld id="{1D8BD707-D9CF-40AE-B4C6-C98DA3205C09}" type="datetimeFigureOut">
               <a:rPr lang="en-US" smtClean="0"/>
               <a:pPr/>
-              <a:t>6/20/2024</a:t>
+              <a:t>6/21/2024</a:t>
             </a:fld>
             <a:endParaRPr lang="en-US"/>
           </a:p>
@@ -4320,7 +4320,7 @@
             <a:fld id="{1D8BD707-D9CF-40AE-B4C6-C98DA3205C09}" type="datetimeFigureOut">
               <a:rPr lang="en-US" smtClean="0"/>
               <a:pPr/>
-              <a:t>6/20/2024</a:t>
+              <a:t>6/21/2024</a:t>
             </a:fld>
             <a:endParaRPr lang="en-US"/>
           </a:p>
@@ -4788,8 +4788,8 @@
         </p:nvSpPr>
         <p:spPr>
           <a:xfrm>
-            <a:off x="1050016" y="5196126"/>
-            <a:ext cx="4119341" cy="861774"/>
+            <a:off x="1062259" y="4610100"/>
+            <a:ext cx="4119341" cy="2400657"/>
           </a:xfrm>
           <a:prstGeom prst="rect">
             <a:avLst/>
@@ -4814,6 +4814,18 @@
           <a:p>
             <a:r>
               <a:rPr lang="en-US" altLang="ko-KR" dirty="0" smtClean="0"/>
+              <a:t>Day 3</a:t>
+            </a:r>
+          </a:p>
+          <a:p>
+            <a:r>
+              <a:rPr lang="en-US" altLang="ko-KR" dirty="0" smtClean="0"/>
+              <a:t>-</a:t>
+            </a:r>
+          </a:p>
+          <a:p>
+            <a:r>
+              <a:rPr lang="en-US" altLang="ko-KR" dirty="0" smtClean="0"/>
               <a:t>Summary</a:t>
             </a:r>
             <a:endParaRPr lang="en-US" altLang="ko-KR" dirty="0"/>
@@ -4829,7 +4841,7 @@
         <p:spPr>
           <a:xfrm>
             <a:off x="6172200" y="2628900"/>
-            <a:ext cx="9677400" cy="3477875"/>
+            <a:ext cx="9677400" cy="6555641"/>
           </a:xfrm>
           <a:prstGeom prst="rect">
             <a:avLst/>
@@ -4857,11 +4869,163 @@
               <a:buChar char="•"/>
             </a:pPr>
             <a:r>
+              <a:rPr lang="en-US" altLang="ko-KR" sz="2000" dirty="0" smtClean="0">
+                <a:latin typeface="LG스마트체2.0 Regular" panose="020B0600000101010101" pitchFamily="50" charset="-127"/>
+                <a:ea typeface="LG스마트체2.0 Regular" panose="020B0600000101010101" pitchFamily="50" charset="-127"/>
+              </a:rPr>
+              <a:t>JS Service</a:t>
+            </a:r>
+          </a:p>
+          <a:p>
+            <a:pPr marL="742950" lvl="1" indent="-285750">
+              <a:buFont typeface="Arial" panose="020B0604020202020204" pitchFamily="34" charset="0"/>
+              <a:buChar char="•"/>
+            </a:pPr>
+            <a:r>
+              <a:rPr lang="en-US" altLang="ko-KR" sz="2000" dirty="0" smtClean="0">
+                <a:latin typeface="LG스마트체2.0 Regular" panose="020B0600000101010101" pitchFamily="50" charset="-127"/>
+                <a:ea typeface="LG스마트체2.0 Regular" panose="020B0600000101010101" pitchFamily="50" charset="-127"/>
+              </a:rPr>
+              <a:t>External vs. Built-in</a:t>
+            </a:r>
+          </a:p>
+          <a:p>
+            <a:pPr marL="742950" lvl="1" indent="-285750">
+              <a:buFont typeface="Arial" panose="020B0604020202020204" pitchFamily="34" charset="0"/>
+              <a:buChar char="•"/>
+            </a:pPr>
+            <a:r>
+              <a:rPr lang="en-US" altLang="ko-KR" sz="2000" dirty="0" smtClean="0">
+                <a:latin typeface="LG스마트체2.0 Regular" panose="020B0600000101010101" pitchFamily="50" charset="-127"/>
+                <a:ea typeface="LG스마트체2.0 Regular" panose="020B0600000101010101" pitchFamily="50" charset="-127"/>
+              </a:rPr>
+              <a:t>JS Service </a:t>
+            </a:r>
+            <a:r>
+              <a:rPr lang="ko-KR" altLang="en-US" sz="2000" smtClean="0">
+                <a:latin typeface="LG스마트체2.0 Regular" panose="020B0600000101010101" pitchFamily="50" charset="-127"/>
+                <a:ea typeface="LG스마트체2.0 Regular" panose="020B0600000101010101" pitchFamily="50" charset="-127"/>
+              </a:rPr>
+              <a:t>구조</a:t>
+            </a:r>
+            <a:endParaRPr lang="en-US" altLang="ko-KR" sz="2000" dirty="0" smtClean="0">
+              <a:latin typeface="LG스마트체2.0 Regular" panose="020B0600000101010101" pitchFamily="50" charset="-127"/>
+              <a:ea typeface="LG스마트체2.0 Regular" panose="020B0600000101010101" pitchFamily="50" charset="-127"/>
+            </a:endParaRPr>
+          </a:p>
+          <a:p>
+            <a:pPr marL="742950" lvl="1" indent="-285750">
+              <a:buFont typeface="Arial" panose="020B0604020202020204" pitchFamily="34" charset="0"/>
+              <a:buChar char="•"/>
+            </a:pPr>
+            <a:r>
+              <a:rPr lang="en-US" altLang="ko-KR" sz="2000" dirty="0" smtClean="0">
+                <a:latin typeface="LG스마트체2.0 Regular" panose="020B0600000101010101" pitchFamily="50" charset="-127"/>
+                <a:ea typeface="LG스마트체2.0 Regular" panose="020B0600000101010101" pitchFamily="50" charset="-127"/>
+              </a:rPr>
+              <a:t>LS2API </a:t>
+            </a:r>
+            <a:r>
+              <a:rPr lang="ko-KR" altLang="en-US" sz="2000" smtClean="0">
+                <a:latin typeface="LG스마트체2.0 Regular" panose="020B0600000101010101" pitchFamily="50" charset="-127"/>
+                <a:ea typeface="LG스마트체2.0 Regular" panose="020B0600000101010101" pitchFamily="50" charset="-127"/>
+              </a:rPr>
+              <a:t>사용</a:t>
+            </a:r>
+            <a:endParaRPr lang="en-US" altLang="ko-KR" sz="2000" dirty="0" smtClean="0">
+              <a:latin typeface="LG스마트체2.0 Regular" panose="020B0600000101010101" pitchFamily="50" charset="-127"/>
+              <a:ea typeface="LG스마트체2.0 Regular" panose="020B0600000101010101" pitchFamily="50" charset="-127"/>
+            </a:endParaRPr>
+          </a:p>
+          <a:p>
+            <a:pPr marL="742950" lvl="1" indent="-285750">
+              <a:buFont typeface="Arial" panose="020B0604020202020204" pitchFamily="34" charset="0"/>
+              <a:buChar char="•"/>
+            </a:pPr>
+            <a:r>
+              <a:rPr lang="en-US" altLang="ko-KR" sz="2000" dirty="0" smtClean="0">
+                <a:latin typeface="LG스마트체2.0 Regular" panose="020B0600000101010101" pitchFamily="50" charset="-127"/>
+                <a:ea typeface="LG스마트체2.0 Regular" panose="020B0600000101010101" pitchFamily="50" charset="-127"/>
+              </a:rPr>
+              <a:t>Node </a:t>
+            </a:r>
+            <a:r>
+              <a:rPr lang="ko-KR" altLang="en-US" sz="2000" smtClean="0">
+                <a:latin typeface="LG스마트체2.0 Regular" panose="020B0600000101010101" pitchFamily="50" charset="-127"/>
+                <a:ea typeface="LG스마트체2.0 Regular" panose="020B0600000101010101" pitchFamily="50" charset="-127"/>
+              </a:rPr>
+              <a:t>기본 모듈 사용 </a:t>
+            </a:r>
+            <a:endParaRPr lang="en-US" altLang="ko-KR" sz="2000" dirty="0" smtClean="0">
+              <a:latin typeface="LG스마트체2.0 Regular" panose="020B0600000101010101" pitchFamily="50" charset="-127"/>
+              <a:ea typeface="LG스마트체2.0 Regular" panose="020B0600000101010101" pitchFamily="50" charset="-127"/>
+            </a:endParaRPr>
+          </a:p>
+          <a:p>
+            <a:pPr marL="742950" lvl="1" indent="-285750">
+              <a:buFont typeface="Arial" panose="020B0604020202020204" pitchFamily="34" charset="0"/>
+              <a:buChar char="•"/>
+            </a:pPr>
+            <a:r>
+              <a:rPr lang="en-US" altLang="ko-KR" sz="2000" dirty="0" smtClean="0">
+                <a:latin typeface="LG스마트체2.0 Regular" panose="020B0600000101010101" pitchFamily="50" charset="-127"/>
+                <a:ea typeface="LG스마트체2.0 Regular" panose="020B0600000101010101" pitchFamily="50" charset="-127"/>
+              </a:rPr>
+              <a:t>Node </a:t>
+            </a:r>
+            <a:r>
+              <a:rPr lang="ko-KR" altLang="en-US" sz="2000" smtClean="0">
+                <a:latin typeface="LG스마트체2.0 Regular" panose="020B0600000101010101" pitchFamily="50" charset="-127"/>
+                <a:ea typeface="LG스마트체2.0 Regular" panose="020B0600000101010101" pitchFamily="50" charset="-127"/>
+              </a:rPr>
+              <a:t>외장 모듈 사용 </a:t>
+            </a:r>
+            <a:endParaRPr lang="en-US" altLang="ko-KR" sz="2000" dirty="0" smtClean="0">
+              <a:latin typeface="LG스마트체2.0 Regular" panose="020B0600000101010101" pitchFamily="50" charset="-127"/>
+              <a:ea typeface="LG스마트체2.0 Regular" panose="020B0600000101010101" pitchFamily="50" charset="-127"/>
+            </a:endParaRPr>
+          </a:p>
+          <a:p>
+            <a:pPr marL="742950" lvl="1" indent="-285750">
+              <a:buFont typeface="Arial" panose="020B0604020202020204" pitchFamily="34" charset="0"/>
+              <a:buChar char="•"/>
+            </a:pPr>
+            <a:endParaRPr lang="en-US" altLang="ko-KR" sz="2000" dirty="0" smtClean="0">
+              <a:latin typeface="LG스마트체2.0 Regular" panose="020B0600000101010101" pitchFamily="50" charset="-127"/>
+              <a:ea typeface="LG스마트체2.0 Regular" panose="020B0600000101010101" pitchFamily="50" charset="-127"/>
+            </a:endParaRPr>
+          </a:p>
+          <a:p>
+            <a:pPr marL="285750" indent="-285750">
+              <a:buFont typeface="Arial" panose="020B0604020202020204" pitchFamily="34" charset="0"/>
+              <a:buChar char="•"/>
+            </a:pPr>
+            <a:r>
+              <a:rPr lang="en-US" altLang="ko-KR" sz="2000" dirty="0" smtClean="0">
+                <a:latin typeface="LG스마트체2.0 Regular" panose="020B0600000101010101" pitchFamily="50" charset="-127"/>
+                <a:ea typeface="LG스마트체2.0 Regular" panose="020B0600000101010101" pitchFamily="50" charset="-127"/>
+              </a:rPr>
+              <a:t>Multimedia</a:t>
+            </a:r>
+          </a:p>
+          <a:p>
+            <a:pPr marL="742950" lvl="1" indent="-285750">
+              <a:buFont typeface="Arial" panose="020B0604020202020204" pitchFamily="34" charset="0"/>
+              <a:buChar char="•"/>
+            </a:pPr>
+            <a:r>
+              <a:rPr lang="en-US" altLang="ko-KR" sz="2000" dirty="0" smtClean="0">
+                <a:latin typeface="LG스마트체2.0 Regular" panose="020B0600000101010101" pitchFamily="50" charset="-127"/>
+                <a:ea typeface="LG스마트체2.0 Regular" panose="020B0600000101010101" pitchFamily="50" charset="-127"/>
+              </a:rPr>
+              <a:t>Media </a:t>
+            </a:r>
+            <a:r>
               <a:rPr lang="en-US" altLang="ko-KR" sz="2000" dirty="0">
                 <a:latin typeface="LG스마트체2.0 Regular" panose="020B0600000101010101" pitchFamily="50" charset="-127"/>
                 <a:ea typeface="LG스마트체2.0 Regular" panose="020B0600000101010101" pitchFamily="50" charset="-127"/>
               </a:rPr>
-              <a:t>Media Framework</a:t>
+              <a:t>Framework</a:t>
             </a:r>
             <a:endParaRPr lang="ko-KR" altLang="en-US" sz="2000">
               <a:latin typeface="LG스마트체2.0 Regular" panose="020B0600000101010101" pitchFamily="50" charset="-127"/>
@@ -4869,7 +5033,7 @@
             </a:endParaRPr>
           </a:p>
           <a:p>
-            <a:pPr marL="285750" indent="-285750">
+            <a:pPr marL="742950" lvl="1" indent="-285750">
               <a:buFont typeface="Arial" panose="020B0604020202020204" pitchFamily="34" charset="0"/>
               <a:buChar char="•"/>
             </a:pPr>
@@ -4882,7 +5046,7 @@
             </a:r>
           </a:p>
           <a:p>
-            <a:pPr marL="285750" indent="-285750">
+            <a:pPr marL="742950" lvl="1" indent="-285750">
               <a:buFont typeface="Arial" panose="020B0604020202020204" pitchFamily="34" charset="0"/>
               <a:buChar char="•"/>
             </a:pPr>
@@ -4895,7 +5059,7 @@
             </a:r>
           </a:p>
           <a:p>
-            <a:pPr marL="285750" indent="-285750">
+            <a:pPr marL="742950" lvl="1" indent="-285750">
               <a:buFont typeface="Arial" panose="020B0604020202020204" pitchFamily="34" charset="0"/>
               <a:buChar char="•"/>
             </a:pPr>
@@ -4915,7 +5079,7 @@
             </a:r>
           </a:p>
           <a:p>
-            <a:pPr marL="285750" indent="-285750">
+            <a:pPr marL="742950" lvl="1" indent="-285750">
               <a:buFont typeface="Arial" panose="020B0604020202020204" pitchFamily="34" charset="0"/>
               <a:buChar char="•"/>
             </a:pPr>
@@ -4928,7 +5092,7 @@
             </a:r>
           </a:p>
           <a:p>
-            <a:pPr marL="285750" indent="-285750">
+            <a:pPr marL="742950" lvl="1" indent="-285750">
               <a:buFont typeface="Arial" panose="020B0604020202020204" pitchFamily="34" charset="0"/>
               <a:buChar char="•"/>
             </a:pPr>
@@ -4941,7 +5105,7 @@
             </a:r>
           </a:p>
           <a:p>
-            <a:pPr marL="285750" indent="-285750">
+            <a:pPr marL="742950" lvl="1" indent="-285750">
               <a:buFont typeface="Arial" panose="020B0604020202020204" pitchFamily="34" charset="0"/>
               <a:buChar char="•"/>
             </a:pPr>
@@ -4980,8 +5144,27 @@
                 <a:latin typeface="LG스마트체2.0 Regular" panose="020B0600000101010101" pitchFamily="50" charset="-127"/>
                 <a:ea typeface="LG스마트체2.0 Regular" panose="020B0600000101010101" pitchFamily="50" charset="-127"/>
               </a:rPr>
-              <a:t> vs. HTTP/AJAX</a:t>
+              <a:t> </a:t>
             </a:r>
+          </a:p>
+          <a:p>
+            <a:pPr marL="742950" lvl="1" indent="-285750">
+              <a:buFont typeface="Arial" panose="020B0604020202020204" pitchFamily="34" charset="0"/>
+              <a:buChar char="•"/>
+            </a:pPr>
+            <a:r>
+              <a:rPr lang="en-US" altLang="ko-KR" sz="2000" dirty="0" smtClean="0">
+                <a:latin typeface="LG스마트체2.0 Regular" panose="020B0600000101010101" pitchFamily="50" charset="-127"/>
+                <a:ea typeface="LG스마트체2.0 Regular" panose="020B0600000101010101" pitchFamily="50" charset="-127"/>
+              </a:rPr>
+              <a:t>vs. HTTP/AJAX</a:t>
+            </a:r>
+          </a:p>
+          <a:p>
+            <a:pPr marL="742950" lvl="1" indent="-285750">
+              <a:buFont typeface="Arial" panose="020B0604020202020204" pitchFamily="34" charset="0"/>
+              <a:buChar char="•"/>
+            </a:pPr>
             <a:endParaRPr lang="en-US" altLang="ko-KR" sz="2000" dirty="0">
               <a:latin typeface="LG스마트체2.0 Regular" panose="020B0600000101010101" pitchFamily="50" charset="-127"/>
               <a:ea typeface="LG스마트체2.0 Regular" panose="020B0600000101010101" pitchFamily="50" charset="-127"/>
